--- a/prezentacie/c09w.pptx
+++ b/prezentacie/c09w.pptx
@@ -254,7 +254,7 @@
           <a:p>
             <a:fld id="{10052495-8BC8-4CFB-94B1-B0429F101A0D}" type="datetimeFigureOut">
               <a:rPr lang="sk-SK" smtClean="0"/>
-              <a:t>16. 10. 2025</a:t>
+              <a:t>23. 10. 2025</a:t>
             </a:fld>
             <a:endParaRPr lang="sk-SK"/>
           </a:p>
@@ -424,7 +424,7 @@
           <a:p>
             <a:fld id="{10052495-8BC8-4CFB-94B1-B0429F101A0D}" type="datetimeFigureOut">
               <a:rPr lang="sk-SK" smtClean="0"/>
-              <a:t>16. 10. 2025</a:t>
+              <a:t>23. 10. 2025</a:t>
             </a:fld>
             <a:endParaRPr lang="sk-SK"/>
           </a:p>
@@ -604,7 +604,7 @@
           <a:p>
             <a:fld id="{10052495-8BC8-4CFB-94B1-B0429F101A0D}" type="datetimeFigureOut">
               <a:rPr lang="sk-SK" smtClean="0"/>
-              <a:t>16. 10. 2025</a:t>
+              <a:t>23. 10. 2025</a:t>
             </a:fld>
             <a:endParaRPr lang="sk-SK"/>
           </a:p>
@@ -774,7 +774,7 @@
           <a:p>
             <a:fld id="{10052495-8BC8-4CFB-94B1-B0429F101A0D}" type="datetimeFigureOut">
               <a:rPr lang="sk-SK" smtClean="0"/>
-              <a:t>16. 10. 2025</a:t>
+              <a:t>23. 10. 2025</a:t>
             </a:fld>
             <a:endParaRPr lang="sk-SK"/>
           </a:p>
@@ -1020,7 +1020,7 @@
           <a:p>
             <a:fld id="{10052495-8BC8-4CFB-94B1-B0429F101A0D}" type="datetimeFigureOut">
               <a:rPr lang="sk-SK" smtClean="0"/>
-              <a:t>16. 10. 2025</a:t>
+              <a:t>23. 10. 2025</a:t>
             </a:fld>
             <a:endParaRPr lang="sk-SK"/>
           </a:p>
@@ -1252,7 +1252,7 @@
           <a:p>
             <a:fld id="{10052495-8BC8-4CFB-94B1-B0429F101A0D}" type="datetimeFigureOut">
               <a:rPr lang="sk-SK" smtClean="0"/>
-              <a:t>16. 10. 2025</a:t>
+              <a:t>23. 10. 2025</a:t>
             </a:fld>
             <a:endParaRPr lang="sk-SK"/>
           </a:p>
@@ -1619,7 +1619,7 @@
           <a:p>
             <a:fld id="{10052495-8BC8-4CFB-94B1-B0429F101A0D}" type="datetimeFigureOut">
               <a:rPr lang="sk-SK" smtClean="0"/>
-              <a:t>16. 10. 2025</a:t>
+              <a:t>23. 10. 2025</a:t>
             </a:fld>
             <a:endParaRPr lang="sk-SK"/>
           </a:p>
@@ -1737,7 +1737,7 @@
           <a:p>
             <a:fld id="{10052495-8BC8-4CFB-94B1-B0429F101A0D}" type="datetimeFigureOut">
               <a:rPr lang="sk-SK" smtClean="0"/>
-              <a:t>16. 10. 2025</a:t>
+              <a:t>23. 10. 2025</a:t>
             </a:fld>
             <a:endParaRPr lang="sk-SK"/>
           </a:p>
@@ -1832,7 +1832,7 @@
           <a:p>
             <a:fld id="{10052495-8BC8-4CFB-94B1-B0429F101A0D}" type="datetimeFigureOut">
               <a:rPr lang="sk-SK" smtClean="0"/>
-              <a:t>16. 10. 2025</a:t>
+              <a:t>23. 10. 2025</a:t>
             </a:fld>
             <a:endParaRPr lang="sk-SK"/>
           </a:p>
@@ -2109,7 +2109,7 @@
           <a:p>
             <a:fld id="{10052495-8BC8-4CFB-94B1-B0429F101A0D}" type="datetimeFigureOut">
               <a:rPr lang="sk-SK" smtClean="0"/>
-              <a:t>16. 10. 2025</a:t>
+              <a:t>23. 10. 2025</a:t>
             </a:fld>
             <a:endParaRPr lang="sk-SK"/>
           </a:p>
@@ -2366,7 +2366,7 @@
           <a:p>
             <a:fld id="{10052495-8BC8-4CFB-94B1-B0429F101A0D}" type="datetimeFigureOut">
               <a:rPr lang="sk-SK" smtClean="0"/>
-              <a:t>16. 10. 2025</a:t>
+              <a:t>23. 10. 2025</a:t>
             </a:fld>
             <a:endParaRPr lang="sk-SK"/>
           </a:p>
@@ -2579,7 +2579,7 @@
           <a:p>
             <a:fld id="{10052495-8BC8-4CFB-94B1-B0429F101A0D}" type="datetimeFigureOut">
               <a:rPr lang="sk-SK" smtClean="0"/>
-              <a:t>16. 10. 2025</a:t>
+              <a:t>23. 10. 2025</a:t>
             </a:fld>
             <a:endParaRPr lang="sk-SK"/>
           </a:p>
@@ -3854,7 +3854,15 @@
           <a:p>
             <a:r>
               <a:rPr lang="sk-SK" dirty="0"/>
-              <a:t>Úloha 8.8: Slovník z internetu</a:t>
+              <a:t>Úloha </a:t>
+            </a:r>
+            <a:r>
+              <a:rPr lang="en-US" dirty="0"/>
+              <a:t>9</a:t>
+            </a:r>
+            <a:r>
+              <a:rPr lang="sk-SK" dirty="0"/>
+              <a:t>.8: Slovník z internetu</a:t>
             </a:r>
           </a:p>
         </p:txBody>
@@ -4095,7 +4103,15 @@
           <a:p>
             <a:r>
               <a:rPr lang="sk-SK" dirty="0"/>
-              <a:t>Úloha 8.9: Slovník zadaný z klávesnice</a:t>
+              <a:t>Úloha </a:t>
+            </a:r>
+            <a:r>
+              <a:rPr lang="en-US" dirty="0"/>
+              <a:t>9</a:t>
+            </a:r>
+            <a:r>
+              <a:rPr lang="sk-SK" dirty="0"/>
+              <a:t>.9: Slovník zadaný z klávesnice</a:t>
             </a:r>
           </a:p>
         </p:txBody>
@@ -4680,7 +4696,7 @@
             </a:r>
             <a:r>
               <a:rPr lang="en-US" sz="4000" dirty="0"/>
-              <a:t>8</a:t>
+              <a:t>9</a:t>
             </a:r>
             <a:endParaRPr lang="sk-SK" sz="4000" dirty="0"/>
           </a:p>
@@ -5385,7 +5401,7 @@
             </a:r>
             <a:r>
               <a:rPr lang="en-US" dirty="0"/>
-              <a:t>8</a:t>
+              <a:t>9</a:t>
             </a:r>
             <a:r>
               <a:rPr lang="sk-SK" dirty="0"/>
@@ -5452,7 +5468,15 @@
           <a:p>
             <a:r>
               <a:rPr lang="sk-SK" dirty="0"/>
-              <a:t>Úloha 8.2: Trieda </a:t>
+              <a:t>Úloha </a:t>
+            </a:r>
+            <a:r>
+              <a:rPr lang="en-US" dirty="0"/>
+              <a:t>9</a:t>
+            </a:r>
+            <a:r>
+              <a:rPr lang="sk-SK" dirty="0"/>
+              <a:t>.2: Trieda </a:t>
             </a:r>
             <a:r>
               <a:rPr lang="sk-SK" dirty="0" err="1"/>
@@ -6064,7 +6088,15 @@
           <a:p>
             <a:r>
               <a:rPr lang="sk-SK" dirty="0"/>
-              <a:t>Úloha 8.3: </a:t>
+              <a:t>Úloha </a:t>
+            </a:r>
+            <a:r>
+              <a:rPr lang="en-US" dirty="0"/>
+              <a:t>9</a:t>
+            </a:r>
+            <a:r>
+              <a:rPr lang="sk-SK" dirty="0"/>
+              <a:t>.3: </a:t>
             </a:r>
             <a:r>
               <a:rPr lang="sk-SK" dirty="0" err="1"/>
@@ -6245,7 +6277,15 @@
           <a:p>
             <a:r>
               <a:rPr lang="sk-SK" dirty="0"/>
-              <a:t>Úloha 8.4: Úprava triedy Stav</a:t>
+              <a:t>Úloha </a:t>
+            </a:r>
+            <a:r>
+              <a:rPr lang="en-US" dirty="0"/>
+              <a:t>9</a:t>
+            </a:r>
+            <a:r>
+              <a:rPr lang="sk-SK" dirty="0"/>
+              <a:t>.4: Úprava triedy Stav</a:t>
             </a:r>
           </a:p>
         </p:txBody>
@@ -6457,7 +6497,7 @@
             </a:r>
             <a:r>
               <a:rPr lang="en-US" dirty="0"/>
-              <a:t>8</a:t>
+              <a:t>9</a:t>
             </a:r>
             <a:r>
               <a:rPr lang="sk-SK" dirty="0"/>
@@ -6515,7 +6555,15 @@
           <a:p>
             <a:r>
               <a:rPr lang="sk-SK" dirty="0"/>
-              <a:t>Úloha 8.6:  </a:t>
+              <a:t>Úloha </a:t>
+            </a:r>
+            <a:r>
+              <a:rPr lang="en-US" dirty="0"/>
+              <a:t>9</a:t>
+            </a:r>
+            <a:r>
+              <a:rPr lang="sk-SK" dirty="0"/>
+              <a:t>.6:  </a:t>
             </a:r>
             <a:r>
               <a:rPr lang="sk-SK" dirty="0" err="1"/>
@@ -7151,7 +7199,15 @@
           <a:p>
             <a:r>
               <a:rPr lang="sk-SK" dirty="0"/>
-              <a:t>Úloha 8.7: Slovník so súboru</a:t>
+              <a:t>Úloha </a:t>
+            </a:r>
+            <a:r>
+              <a:rPr lang="en-US" dirty="0"/>
+              <a:t>9</a:t>
+            </a:r>
+            <a:r>
+              <a:rPr lang="sk-SK" dirty="0"/>
+              <a:t>.7: Slovník so súboru</a:t>
             </a:r>
           </a:p>
         </p:txBody>

--- a/prezentacie/c09w.pptx
+++ b/prezentacie/c09w.pptx
@@ -254,7 +254,7 @@
           <a:p>
             <a:fld id="{10052495-8BC8-4CFB-94B1-B0429F101A0D}" type="datetimeFigureOut">
               <a:rPr lang="sk-SK" smtClean="0"/>
-              <a:t>23. 10. 2025</a:t>
+              <a:t>1. 12. 2025</a:t>
             </a:fld>
             <a:endParaRPr lang="sk-SK"/>
           </a:p>
@@ -424,7 +424,7 @@
           <a:p>
             <a:fld id="{10052495-8BC8-4CFB-94B1-B0429F101A0D}" type="datetimeFigureOut">
               <a:rPr lang="sk-SK" smtClean="0"/>
-              <a:t>23. 10. 2025</a:t>
+              <a:t>1. 12. 2025</a:t>
             </a:fld>
             <a:endParaRPr lang="sk-SK"/>
           </a:p>
@@ -604,7 +604,7 @@
           <a:p>
             <a:fld id="{10052495-8BC8-4CFB-94B1-B0429F101A0D}" type="datetimeFigureOut">
               <a:rPr lang="sk-SK" smtClean="0"/>
-              <a:t>23. 10. 2025</a:t>
+              <a:t>1. 12. 2025</a:t>
             </a:fld>
             <a:endParaRPr lang="sk-SK"/>
           </a:p>
@@ -774,7 +774,7 @@
           <a:p>
             <a:fld id="{10052495-8BC8-4CFB-94B1-B0429F101A0D}" type="datetimeFigureOut">
               <a:rPr lang="sk-SK" smtClean="0"/>
-              <a:t>23. 10. 2025</a:t>
+              <a:t>1. 12. 2025</a:t>
             </a:fld>
             <a:endParaRPr lang="sk-SK"/>
           </a:p>
@@ -1020,7 +1020,7 @@
           <a:p>
             <a:fld id="{10052495-8BC8-4CFB-94B1-B0429F101A0D}" type="datetimeFigureOut">
               <a:rPr lang="sk-SK" smtClean="0"/>
-              <a:t>23. 10. 2025</a:t>
+              <a:t>1. 12. 2025</a:t>
             </a:fld>
             <a:endParaRPr lang="sk-SK"/>
           </a:p>
@@ -1252,7 +1252,7 @@
           <a:p>
             <a:fld id="{10052495-8BC8-4CFB-94B1-B0429F101A0D}" type="datetimeFigureOut">
               <a:rPr lang="sk-SK" smtClean="0"/>
-              <a:t>23. 10. 2025</a:t>
+              <a:t>1. 12. 2025</a:t>
             </a:fld>
             <a:endParaRPr lang="sk-SK"/>
           </a:p>
@@ -1619,7 +1619,7 @@
           <a:p>
             <a:fld id="{10052495-8BC8-4CFB-94B1-B0429F101A0D}" type="datetimeFigureOut">
               <a:rPr lang="sk-SK" smtClean="0"/>
-              <a:t>23. 10. 2025</a:t>
+              <a:t>1. 12. 2025</a:t>
             </a:fld>
             <a:endParaRPr lang="sk-SK"/>
           </a:p>
@@ -1737,7 +1737,7 @@
           <a:p>
             <a:fld id="{10052495-8BC8-4CFB-94B1-B0429F101A0D}" type="datetimeFigureOut">
               <a:rPr lang="sk-SK" smtClean="0"/>
-              <a:t>23. 10. 2025</a:t>
+              <a:t>1. 12. 2025</a:t>
             </a:fld>
             <a:endParaRPr lang="sk-SK"/>
           </a:p>
@@ -1832,7 +1832,7 @@
           <a:p>
             <a:fld id="{10052495-8BC8-4CFB-94B1-B0429F101A0D}" type="datetimeFigureOut">
               <a:rPr lang="sk-SK" smtClean="0"/>
-              <a:t>23. 10. 2025</a:t>
+              <a:t>1. 12. 2025</a:t>
             </a:fld>
             <a:endParaRPr lang="sk-SK"/>
           </a:p>
@@ -2109,7 +2109,7 @@
           <a:p>
             <a:fld id="{10052495-8BC8-4CFB-94B1-B0429F101A0D}" type="datetimeFigureOut">
               <a:rPr lang="sk-SK" smtClean="0"/>
-              <a:t>23. 10. 2025</a:t>
+              <a:t>1. 12. 2025</a:t>
             </a:fld>
             <a:endParaRPr lang="sk-SK"/>
           </a:p>
@@ -2366,7 +2366,7 @@
           <a:p>
             <a:fld id="{10052495-8BC8-4CFB-94B1-B0429F101A0D}" type="datetimeFigureOut">
               <a:rPr lang="sk-SK" smtClean="0"/>
-              <a:t>23. 10. 2025</a:t>
+              <a:t>1. 12. 2025</a:t>
             </a:fld>
             <a:endParaRPr lang="sk-SK"/>
           </a:p>
@@ -2579,7 +2579,7 @@
           <a:p>
             <a:fld id="{10052495-8BC8-4CFB-94B1-B0429F101A0D}" type="datetimeFigureOut">
               <a:rPr lang="sk-SK" smtClean="0"/>
-              <a:t>23. 10. 2025</a:t>
+              <a:t>1. 12. 2025</a:t>
             </a:fld>
             <a:endParaRPr lang="sk-SK"/>
           </a:p>
@@ -6011,7 +6011,7 @@
             </a:r>
             <a:r>
               <a:rPr lang="sk-SK" dirty="0"/>
-              <a:t> - vráti náhodné slovo so slovníka. Náhodné číslo získate z objektu </a:t>
+              <a:t> - vráti náhodné slovo zo slovníka. Náhodné číslo získate z objektu </a:t>
             </a:r>
             <a:r>
               <a:rPr lang="sk-SK" dirty="0" err="1">
@@ -6062,6 +6062,46 @@
               </a:rPr>
               <a:t>)</a:t>
             </a:r>
+            <a:r>
+              <a:rPr lang="sk-SK" dirty="0"/>
+              <a:t> Zo slova, ktoré budete </a:t>
+            </a:r>
+            <a:r>
+              <a:rPr lang="sk-SK" dirty="0" err="1"/>
+              <a:t>vraciať</a:t>
+            </a:r>
+            <a:r>
+              <a:rPr lang="sk-SK" dirty="0"/>
+              <a:t> ešte odstráňte pomocou metódy </a:t>
+            </a:r>
+            <a:r>
+              <a:rPr lang="sk-SK" dirty="0">
+                <a:highlight>
+                  <a:srgbClr val="FFFF00"/>
+                </a:highlight>
+                <a:latin typeface="Consolas" panose="020B0609020204030204" pitchFamily="49" charset="0"/>
+              </a:rPr>
+              <a:t>strip()</a:t>
+            </a:r>
+            <a:r>
+              <a:rPr lang="sk-SK" dirty="0"/>
+              <a:t> medzery z konca a začiatku reťazca.</a:t>
+            </a:r>
+          </a:p>
+          <a:p>
+            <a:pPr marL="457200" indent="-457200">
+              <a:lnSpc>
+                <a:spcPct val="100000"/>
+              </a:lnSpc>
+              <a:buFont typeface="+mj-lt"/>
+              <a:buAutoNum type="arabicPeriod"/>
+            </a:pPr>
+            <a:endParaRPr lang="sk-SK" dirty="0">
+              <a:highlight>
+                <a:srgbClr val="FFFF00"/>
+              </a:highlight>
+              <a:latin typeface="Consolas" panose="020B0609020204030204" pitchFamily="49" charset="0"/>
+            </a:endParaRPr>
           </a:p>
         </p:txBody>
       </p:sp>
